--- a/Bluemix.pptx
+++ b/Bluemix.pptx
@@ -5535,7 +5535,7 @@
         <p:spPr>
           <a:xfrm>
             <a:off x="0" y="866275"/>
-            <a:ext cx="12192000" cy="4031873"/>
+            <a:ext cx="12192000" cy="5016758"/>
           </a:xfrm>
           <a:prstGeom prst="rect">
             <a:avLst/>
@@ -5614,16 +5614,56 @@
                 <a:cs typeface="Century" charset="0"/>
                 <a:hlinkClick r:id="rId4"/>
               </a:rPr>
-              <a:t>http://</a:t>
+              <a:t>http://mistic100.github.io/jQCloud/</a:t>
+            </a:r>
+            <a:endParaRPr lang="en-US" sz="3200" dirty="0" smtClean="0">
+              <a:latin typeface="Century" charset="0"/>
+              <a:ea typeface="Century" charset="0"/>
+              <a:cs typeface="Century" charset="0"/>
+            </a:endParaRPr>
+          </a:p>
+          <a:p>
+            <a:pPr marL="285750" indent="-285750">
+              <a:buFont typeface="Arial" charset="0"/>
+              <a:buChar char="•"/>
+            </a:pPr>
+            <a:r>
+              <a:rPr lang="en-US" sz="3200" dirty="0" smtClean="0">
+                <a:latin typeface="Century" charset="0"/>
+                <a:ea typeface="Century" charset="0"/>
+                <a:cs typeface="Century" charset="0"/>
+                <a:hlinkClick r:id="rId5"/>
+              </a:rPr>
+              <a:t>https://mustache.github.io/</a:t>
+            </a:r>
+            <a:endParaRPr lang="en-US" sz="3200" dirty="0" smtClean="0">
+              <a:latin typeface="Century" charset="0"/>
+              <a:ea typeface="Century" charset="0"/>
+              <a:cs typeface="Century" charset="0"/>
+            </a:endParaRPr>
+          </a:p>
+          <a:p>
+            <a:pPr marL="285750" indent="-285750">
+              <a:buFont typeface="Arial" charset="0"/>
+              <a:buChar char="•"/>
+            </a:pPr>
+            <a:r>
+              <a:rPr lang="en-US" sz="3200" dirty="0" smtClean="0">
+                <a:latin typeface="Century" charset="0"/>
+                <a:ea typeface="Century" charset="0"/>
+                <a:cs typeface="Century" charset="0"/>
+                <a:hlinkClick r:id="rId6"/>
+              </a:rPr>
+              <a:t>https://github.com/Abiwax</a:t>
             </a:r>
             <a:r>
               <a:rPr lang="en-US" sz="3200" smtClean="0">
                 <a:latin typeface="Century" charset="0"/>
                 <a:ea typeface="Century" charset="0"/>
                 <a:cs typeface="Century" charset="0"/>
-                <a:hlinkClick r:id="rId4"/>
+                <a:hlinkClick r:id="rId6"/>
               </a:rPr>
-              <a:t>mistic100.github.io/jQCloud/</a:t>
+              <a:t>/Node-Red</a:t>
             </a:r>
             <a:endParaRPr lang="en-US" sz="3200" smtClean="0">
               <a:latin typeface="Century" charset="0"/>
@@ -5636,14 +5676,6 @@
               <a:buFont typeface="Arial" charset="0"/>
               <a:buChar char="•"/>
             </a:pPr>
-            <a:r>
-              <a:rPr lang="en-US" sz="3200" smtClean="0">
-                <a:latin typeface="Century" charset="0"/>
-                <a:ea typeface="Century" charset="0"/>
-                <a:cs typeface="Century" charset="0"/>
-              </a:rPr>
-              <a:t>https://mustache.github.io/</a:t>
-            </a:r>
             <a:endParaRPr lang="en-US" sz="3200" dirty="0" smtClean="0">
               <a:latin typeface="Century" charset="0"/>
               <a:ea typeface="Century" charset="0"/>
